--- a/Final Presentation.pptx
+++ b/Final Presentation.pptx
@@ -113,6 +113,11 @@
       </a:defRPr>
     </a:lvl9pPr>
   </p:defaultTextStyle>
+  <p:extLst>
+    <p:ext uri="{EFAFB233-063F-42B5-8137-9DF3F51BA10A}">
+      <p15:sldGuideLst xmlns:p15="http://schemas.microsoft.com/office/powerpoint/2012/main"/>
+    </p:ext>
+  </p:extLst>
 </p:presentation>
 </file>
 
@@ -302,7 +307,7 @@
           <a:p>
             <a:fld id="{0F2CE5E5-2ECE-422F-8368-568E9D04085A}" type="datetimeFigureOut">
               <a:rPr lang="en-US" smtClean="0"/>
-              <a:t>6/25/2018</a:t>
+              <a:t>5/23/2019</a:t>
             </a:fld>
             <a:endParaRPr lang="en-US"/>
           </a:p>
@@ -577,7 +582,7 @@
           <a:p>
             <a:fld id="{0F2CE5E5-2ECE-422F-8368-568E9D04085A}" type="datetimeFigureOut">
               <a:rPr lang="en-US" smtClean="0"/>
-              <a:t>6/25/2018</a:t>
+              <a:t>5/23/2019</a:t>
             </a:fld>
             <a:endParaRPr lang="en-US"/>
           </a:p>
@@ -771,7 +776,7 @@
           <a:p>
             <a:fld id="{0F2CE5E5-2ECE-422F-8368-568E9D04085A}" type="datetimeFigureOut">
               <a:rPr lang="en-US" smtClean="0"/>
-              <a:t>6/25/2018</a:t>
+              <a:t>5/23/2019</a:t>
             </a:fld>
             <a:endParaRPr lang="en-US"/>
           </a:p>
@@ -1044,7 +1049,7 @@
           <a:p>
             <a:fld id="{0F2CE5E5-2ECE-422F-8368-568E9D04085A}" type="datetimeFigureOut">
               <a:rPr lang="en-US" smtClean="0"/>
-              <a:t>6/25/2018</a:t>
+              <a:t>5/23/2019</a:t>
             </a:fld>
             <a:endParaRPr lang="en-US"/>
           </a:p>
@@ -1385,7 +1390,7 @@
           <a:p>
             <a:fld id="{0F2CE5E5-2ECE-422F-8368-568E9D04085A}" type="datetimeFigureOut">
               <a:rPr lang="en-US" smtClean="0"/>
-              <a:t>6/25/2018</a:t>
+              <a:t>5/23/2019</a:t>
             </a:fld>
             <a:endParaRPr lang="en-US"/>
           </a:p>
@@ -2008,7 +2013,7 @@
           <a:p>
             <a:fld id="{0F2CE5E5-2ECE-422F-8368-568E9D04085A}" type="datetimeFigureOut">
               <a:rPr lang="en-US" smtClean="0"/>
-              <a:t>6/25/2018</a:t>
+              <a:t>5/23/2019</a:t>
             </a:fld>
             <a:endParaRPr lang="en-US"/>
           </a:p>
@@ -2868,7 +2873,7 @@
           <a:p>
             <a:fld id="{0F2CE5E5-2ECE-422F-8368-568E9D04085A}" type="datetimeFigureOut">
               <a:rPr lang="en-US" smtClean="0"/>
-              <a:t>6/25/2018</a:t>
+              <a:t>5/23/2019</a:t>
             </a:fld>
             <a:endParaRPr lang="en-US"/>
           </a:p>
@@ -3038,7 +3043,7 @@
           <a:p>
             <a:fld id="{0F2CE5E5-2ECE-422F-8368-568E9D04085A}" type="datetimeFigureOut">
               <a:rPr lang="en-US" smtClean="0"/>
-              <a:t>6/25/2018</a:t>
+              <a:t>5/23/2019</a:t>
             </a:fld>
             <a:endParaRPr lang="en-US"/>
           </a:p>
@@ -3218,7 +3223,7 @@
           <a:p>
             <a:fld id="{0F2CE5E5-2ECE-422F-8368-568E9D04085A}" type="datetimeFigureOut">
               <a:rPr lang="en-US" smtClean="0"/>
-              <a:t>6/25/2018</a:t>
+              <a:t>5/23/2019</a:t>
             </a:fld>
             <a:endParaRPr lang="en-US"/>
           </a:p>
@@ -3388,7 +3393,7 @@
           <a:p>
             <a:fld id="{0F2CE5E5-2ECE-422F-8368-568E9D04085A}" type="datetimeFigureOut">
               <a:rPr lang="en-US" smtClean="0"/>
-              <a:t>6/25/2018</a:t>
+              <a:t>5/23/2019</a:t>
             </a:fld>
             <a:endParaRPr lang="en-US"/>
           </a:p>
@@ -3635,7 +3640,7 @@
           <a:p>
             <a:fld id="{0F2CE5E5-2ECE-422F-8368-568E9D04085A}" type="datetimeFigureOut">
               <a:rPr lang="en-US" smtClean="0"/>
-              <a:t>6/25/2018</a:t>
+              <a:t>5/23/2019</a:t>
             </a:fld>
             <a:endParaRPr lang="en-US"/>
           </a:p>
@@ -3927,7 +3932,7 @@
           <a:p>
             <a:fld id="{0F2CE5E5-2ECE-422F-8368-568E9D04085A}" type="datetimeFigureOut">
               <a:rPr lang="en-US" smtClean="0"/>
-              <a:t>6/25/2018</a:t>
+              <a:t>5/23/2019</a:t>
             </a:fld>
             <a:endParaRPr lang="en-US"/>
           </a:p>
@@ -4371,7 +4376,7 @@
           <a:p>
             <a:fld id="{0F2CE5E5-2ECE-422F-8368-568E9D04085A}" type="datetimeFigureOut">
               <a:rPr lang="en-US" smtClean="0"/>
-              <a:t>6/25/2018</a:t>
+              <a:t>5/23/2019</a:t>
             </a:fld>
             <a:endParaRPr lang="en-US"/>
           </a:p>
@@ -4489,7 +4494,7 @@
           <a:p>
             <a:fld id="{0F2CE5E5-2ECE-422F-8368-568E9D04085A}" type="datetimeFigureOut">
               <a:rPr lang="en-US" smtClean="0"/>
-              <a:t>6/25/2018</a:t>
+              <a:t>5/23/2019</a:t>
             </a:fld>
             <a:endParaRPr lang="en-US"/>
           </a:p>
@@ -4584,7 +4589,7 @@
           <a:p>
             <a:fld id="{0F2CE5E5-2ECE-422F-8368-568E9D04085A}" type="datetimeFigureOut">
               <a:rPr lang="en-US" smtClean="0"/>
-              <a:t>6/25/2018</a:t>
+              <a:t>5/23/2019</a:t>
             </a:fld>
             <a:endParaRPr lang="en-US"/>
           </a:p>
@@ -4863,7 +4868,7 @@
           <a:p>
             <a:fld id="{0F2CE5E5-2ECE-422F-8368-568E9D04085A}" type="datetimeFigureOut">
               <a:rPr lang="en-US" smtClean="0"/>
-              <a:t>6/25/2018</a:t>
+              <a:t>5/23/2019</a:t>
             </a:fld>
             <a:endParaRPr lang="en-US"/>
           </a:p>
@@ -5138,7 +5143,7 @@
           <a:p>
             <a:fld id="{0F2CE5E5-2ECE-422F-8368-568E9D04085A}" type="datetimeFigureOut">
               <a:rPr lang="en-US" smtClean="0"/>
-              <a:t>6/25/2018</a:t>
+              <a:t>5/23/2019</a:t>
             </a:fld>
             <a:endParaRPr lang="en-US"/>
           </a:p>
@@ -5567,7 +5572,7 @@
           <a:p>
             <a:fld id="{0F2CE5E5-2ECE-422F-8368-568E9D04085A}" type="datetimeFigureOut">
               <a:rPr lang="en-US" smtClean="0"/>
-              <a:t>6/25/2018</a:t>
+              <a:t>5/23/2019</a:t>
             </a:fld>
             <a:endParaRPr lang="en-US"/>
           </a:p>
